--- a/slides/Figures.pptx
+++ b/slides/Figures.pptx
@@ -6,6 +6,9 @@
   </p:sldMasterIdLst>
   <p:sldIdLst>
     <p:sldId id="256" r:id="rId2"/>
+    <p:sldId id="257" r:id="rId3"/>
+    <p:sldId id="258" r:id="rId4"/>
+    <p:sldId id="259" r:id="rId5"/>
   </p:sldIdLst>
   <p:sldSz cx="12192000" cy="6858000"/>
   <p:notesSz cx="6858000" cy="9144000"/>
@@ -3342,7 +3345,10 @@
           <a:bodyPr/>
           <a:lstStyle/>
           <a:p>
-            <a:endParaRPr lang="en-US"/>
+            <a:r>
+              <a:rPr lang="en-US" dirty="0"/>
+              <a:t>XAI Figures</a:t>
+            </a:r>
           </a:p>
         </p:txBody>
       </p:sp>
@@ -3375,6 +3381,261 @@
     <p:extLst>
       <p:ext uri="{BB962C8B-B14F-4D97-AF65-F5344CB8AC3E}">
         <p14:creationId xmlns:p14="http://schemas.microsoft.com/office/powerpoint/2010/main" val="3119777333"/>
+      </p:ext>
+    </p:extLst>
+  </p:cSld>
+  <p:clrMapOvr>
+    <a:masterClrMapping/>
+  </p:clrMapOvr>
+</p:sld>
+</file>
+
+<file path=ppt/slides/slide2.xml><?xml version="1.0" encoding="utf-8"?>
+<p:sld xmlns:a="http://schemas.openxmlformats.org/drawingml/2006/main" xmlns:r="http://schemas.openxmlformats.org/officeDocument/2006/relationships" xmlns:p="http://schemas.openxmlformats.org/presentationml/2006/main">
+  <p:cSld>
+    <p:spTree>
+      <p:nvGrpSpPr>
+        <p:cNvPr id="1" name=""/>
+        <p:cNvGrpSpPr/>
+        <p:nvPr/>
+      </p:nvGrpSpPr>
+      <p:grpSpPr>
+        <a:xfrm>
+          <a:off x="0" y="0"/>
+          <a:ext cx="0" cy="0"/>
+          <a:chOff x="0" y="0"/>
+          <a:chExt cx="0" cy="0"/>
+        </a:xfrm>
+      </p:grpSpPr>
+      <p:sp>
+        <p:nvSpPr>
+          <p:cNvPr id="2" name="Title 1">
+            <a:extLst>
+              <a:ext uri="{FF2B5EF4-FFF2-40B4-BE49-F238E27FC236}">
+                <a16:creationId xmlns:a16="http://schemas.microsoft.com/office/drawing/2014/main" id="{F6C632AF-56DB-1FF1-F2C2-FB3A5358A5BB}"/>
+              </a:ext>
+            </a:extLst>
+          </p:cNvPr>
+          <p:cNvSpPr>
+            <a:spLocks noGrp="1"/>
+          </p:cNvSpPr>
+          <p:nvPr>
+            <p:ph type="title"/>
+          </p:nvPr>
+        </p:nvSpPr>
+        <p:spPr/>
+        <p:txBody>
+          <a:bodyPr/>
+          <a:lstStyle/>
+          <a:p>
+            <a:endParaRPr lang="en-US"/>
+          </a:p>
+        </p:txBody>
+      </p:sp>
+      <p:sp>
+        <p:nvSpPr>
+          <p:cNvPr id="3" name="Content Placeholder 2">
+            <a:extLst>
+              <a:ext uri="{FF2B5EF4-FFF2-40B4-BE49-F238E27FC236}">
+                <a16:creationId xmlns:a16="http://schemas.microsoft.com/office/drawing/2014/main" id="{85F3CE32-88C3-718F-6C91-C6A5555D1C26}"/>
+              </a:ext>
+            </a:extLst>
+          </p:cNvPr>
+          <p:cNvSpPr>
+            <a:spLocks noGrp="1"/>
+          </p:cNvSpPr>
+          <p:nvPr>
+            <p:ph idx="1"/>
+          </p:nvPr>
+        </p:nvSpPr>
+        <p:spPr/>
+        <p:txBody>
+          <a:bodyPr/>
+          <a:lstStyle/>
+          <a:p>
+            <a:endParaRPr lang="en-US"/>
+          </a:p>
+        </p:txBody>
+      </p:sp>
+    </p:spTree>
+    <p:extLst>
+      <p:ext uri="{BB962C8B-B14F-4D97-AF65-F5344CB8AC3E}">
+        <p14:creationId xmlns:p14="http://schemas.microsoft.com/office/powerpoint/2010/main" val="2379150600"/>
+      </p:ext>
+    </p:extLst>
+  </p:cSld>
+  <p:clrMapOvr>
+    <a:masterClrMapping/>
+  </p:clrMapOvr>
+</p:sld>
+</file>
+
+<file path=ppt/slides/slide3.xml><?xml version="1.0" encoding="utf-8"?>
+<p:sld xmlns:a="http://schemas.openxmlformats.org/drawingml/2006/main" xmlns:r="http://schemas.openxmlformats.org/officeDocument/2006/relationships" xmlns:p="http://schemas.openxmlformats.org/presentationml/2006/main">
+  <p:cSld>
+    <p:spTree>
+      <p:nvGrpSpPr>
+        <p:cNvPr id="1" name=""/>
+        <p:cNvGrpSpPr/>
+        <p:nvPr/>
+      </p:nvGrpSpPr>
+      <p:grpSpPr>
+        <a:xfrm>
+          <a:off x="0" y="0"/>
+          <a:ext cx="0" cy="0"/>
+          <a:chOff x="0" y="0"/>
+          <a:chExt cx="0" cy="0"/>
+        </a:xfrm>
+      </p:grpSpPr>
+      <p:sp>
+        <p:nvSpPr>
+          <p:cNvPr id="2" name="Title 1">
+            <a:extLst>
+              <a:ext uri="{FF2B5EF4-FFF2-40B4-BE49-F238E27FC236}">
+                <a16:creationId xmlns:a16="http://schemas.microsoft.com/office/drawing/2014/main" id="{5E781EBD-6FBF-D216-6BBC-64542A24E6AE}"/>
+              </a:ext>
+            </a:extLst>
+          </p:cNvPr>
+          <p:cNvSpPr>
+            <a:spLocks noGrp="1"/>
+          </p:cNvSpPr>
+          <p:nvPr>
+            <p:ph type="title"/>
+          </p:nvPr>
+        </p:nvSpPr>
+        <p:spPr/>
+        <p:txBody>
+          <a:bodyPr/>
+          <a:lstStyle/>
+          <a:p>
+            <a:endParaRPr lang="en-US"/>
+          </a:p>
+        </p:txBody>
+      </p:sp>
+      <p:pic>
+        <p:nvPicPr>
+          <p:cNvPr id="4" name="Picture 3">
+            <a:extLst>
+              <a:ext uri="{FF2B5EF4-FFF2-40B4-BE49-F238E27FC236}">
+                <a16:creationId xmlns:a16="http://schemas.microsoft.com/office/drawing/2014/main" id="{7D0A7275-53A8-B5C5-C55C-D037A98F0593}"/>
+              </a:ext>
+            </a:extLst>
+          </p:cNvPr>
+          <p:cNvPicPr>
+            <a:picLocks noChangeAspect="1"/>
+          </p:cNvPicPr>
+          <p:nvPr/>
+        </p:nvPicPr>
+        <p:blipFill>
+          <a:blip r:embed="rId2"/>
+          <a:stretch>
+            <a:fillRect/>
+          </a:stretch>
+        </p:blipFill>
+        <p:spPr>
+          <a:xfrm>
+            <a:off x="2844800" y="177800"/>
+            <a:ext cx="6502400" cy="6502400"/>
+          </a:xfrm>
+          <a:prstGeom prst="rect">
+            <a:avLst/>
+          </a:prstGeom>
+        </p:spPr>
+      </p:pic>
+    </p:spTree>
+    <p:extLst>
+      <p:ext uri="{BB962C8B-B14F-4D97-AF65-F5344CB8AC3E}">
+        <p14:creationId xmlns:p14="http://schemas.microsoft.com/office/powerpoint/2010/main" val="3765371726"/>
+      </p:ext>
+    </p:extLst>
+  </p:cSld>
+  <p:clrMapOvr>
+    <a:masterClrMapping/>
+  </p:clrMapOvr>
+</p:sld>
+</file>
+
+<file path=ppt/slides/slide4.xml><?xml version="1.0" encoding="utf-8"?>
+<p:sld xmlns:a="http://schemas.openxmlformats.org/drawingml/2006/main" xmlns:r="http://schemas.openxmlformats.org/officeDocument/2006/relationships" xmlns:p="http://schemas.openxmlformats.org/presentationml/2006/main">
+  <p:cSld>
+    <p:spTree>
+      <p:nvGrpSpPr>
+        <p:cNvPr id="1" name="">
+          <a:extLst>
+            <a:ext uri="{FF2B5EF4-FFF2-40B4-BE49-F238E27FC236}">
+              <a16:creationId xmlns:a16="http://schemas.microsoft.com/office/drawing/2014/main" id="{DCEB19CF-CAFF-05AC-D97A-3C449C66AA1F}"/>
+            </a:ext>
+          </a:extLst>
+        </p:cNvPr>
+        <p:cNvGrpSpPr/>
+        <p:nvPr/>
+      </p:nvGrpSpPr>
+      <p:grpSpPr>
+        <a:xfrm>
+          <a:off x="0" y="0"/>
+          <a:ext cx="0" cy="0"/>
+          <a:chOff x="0" y="0"/>
+          <a:chExt cx="0" cy="0"/>
+        </a:xfrm>
+      </p:grpSpPr>
+      <p:sp>
+        <p:nvSpPr>
+          <p:cNvPr id="2" name="Title 1">
+            <a:extLst>
+              <a:ext uri="{FF2B5EF4-FFF2-40B4-BE49-F238E27FC236}">
+                <a16:creationId xmlns:a16="http://schemas.microsoft.com/office/drawing/2014/main" id="{47E70C2D-ABA0-CBB4-CB36-5160A4F72EBC}"/>
+              </a:ext>
+            </a:extLst>
+          </p:cNvPr>
+          <p:cNvSpPr>
+            <a:spLocks noGrp="1"/>
+          </p:cNvSpPr>
+          <p:nvPr>
+            <p:ph type="title"/>
+          </p:nvPr>
+        </p:nvSpPr>
+        <p:spPr/>
+        <p:txBody>
+          <a:bodyPr/>
+          <a:lstStyle/>
+          <a:p>
+            <a:endParaRPr lang="en-US"/>
+          </a:p>
+        </p:txBody>
+      </p:sp>
+      <p:pic>
+        <p:nvPicPr>
+          <p:cNvPr id="4" name="Picture 3">
+            <a:extLst>
+              <a:ext uri="{FF2B5EF4-FFF2-40B4-BE49-F238E27FC236}">
+                <a16:creationId xmlns:a16="http://schemas.microsoft.com/office/drawing/2014/main" id="{4AA866E8-D887-BB8A-3644-5465959FB180}"/>
+              </a:ext>
+            </a:extLst>
+          </p:cNvPr>
+          <p:cNvPicPr>
+            <a:picLocks noChangeAspect="1"/>
+          </p:cNvPicPr>
+          <p:nvPr/>
+        </p:nvPicPr>
+        <p:blipFill rotWithShape="1">
+          <a:blip r:embed="rId2"/>
+          <a:srcRect t="18147" b="23260"/>
+          <a:stretch/>
+        </p:blipFill>
+        <p:spPr>
+          <a:xfrm>
+            <a:off x="2844800" y="1690688"/>
+            <a:ext cx="6502400" cy="3810001"/>
+          </a:xfrm>
+          <a:prstGeom prst="rect">
+            <a:avLst/>
+          </a:prstGeom>
+        </p:spPr>
+      </p:pic>
+    </p:spTree>
+    <p:extLst>
+      <p:ext uri="{BB962C8B-B14F-4D97-AF65-F5344CB8AC3E}">
+        <p14:creationId xmlns:p14="http://schemas.microsoft.com/office/powerpoint/2010/main" val="3583593741"/>
       </p:ext>
     </p:extLst>
   </p:cSld>
